--- a/Presentación_proyecto.pptx
+++ b/Presentación_proyecto.pptx
@@ -17816,7 +17816,15 @@
                   <a:schemeClr val="tx2"/>
                 </a:solidFill>
               </a:rPr>
-              <a:t>El nivel de precisión obtenido en el algoritmo es del 100%</a:t>
+              <a:t>El nivel de precisión obtenido en el algoritmo es del </a:t>
+            </a:r>
+            <a:r>
+              <a:rPr lang="es-MX" sz="1800" b="1" dirty="0">
+                <a:solidFill>
+                  <a:schemeClr val="tx2"/>
+                </a:solidFill>
+              </a:rPr>
+              <a:t>100%</a:t>
             </a:r>
           </a:p>
           <a:p>
@@ -17826,7 +17834,7 @@
                   <a:schemeClr val="tx2"/>
                 </a:solidFill>
               </a:rPr>
-              <a:t>El nivel de perdida es de 0.093%</a:t>
+              <a:t>El nivel de perdida es de 0.046%</a:t>
             </a:r>
           </a:p>
           <a:p>
@@ -17850,10 +17858,10 @@
       </p:sp>
       <p:pic>
         <p:nvPicPr>
-          <p:cNvPr id="4" name="Imagen 3">
+          <p:cNvPr id="5" name="Imagen 4">
             <a:extLst>
               <a:ext uri="{FF2B5EF4-FFF2-40B4-BE49-F238E27FC236}">
-                <a16:creationId xmlns:a16="http://schemas.microsoft.com/office/drawing/2014/main" id="{4EFAC499-8C64-4011-A190-E21EE37D8B93}"/>
+                <a16:creationId xmlns:a16="http://schemas.microsoft.com/office/drawing/2014/main" id="{6D35F10F-F38A-49C9-8D2F-C19F8075F0BA}"/>
               </a:ext>
             </a:extLst>
           </p:cNvPr>
@@ -17870,8 +17878,8 @@
         </p:blipFill>
         <p:spPr>
           <a:xfrm>
-            <a:off x="7010400" y="2019219"/>
-            <a:ext cx="4209625" cy="2819561"/>
+            <a:off x="6598966" y="1987185"/>
+            <a:ext cx="3962400" cy="2762250"/>
           </a:xfrm>
           <a:prstGeom prst="rect">
             <a:avLst/>
@@ -22445,7 +22453,7 @@
                   <a:schemeClr val="tx2"/>
                 </a:solidFill>
               </a:rPr>
-              <a:t>, una por </a:t>
+              <a:t>, una para </a:t>
             </a:r>
             <a:r>
               <a:rPr lang="en-US" sz="2400" dirty="0" err="1">
